--- a/QRE2021.pptx
+++ b/QRE2021.pptx
@@ -605,7 +605,7 @@
           <a:p>
             <a:fld id="{50AF0217-616D-4DCB-8AC5-1DCCDA8B618F}" type="datetimeFigureOut">
               <a:rPr lang="en-US" smtClean="0"/>
-              <a:t>3/10/2021</a:t>
+              <a:t>4/23/2021</a:t>
             </a:fld>
             <a:endParaRPr lang="en-US"/>
           </a:p>
@@ -775,7 +775,7 @@
           <a:p>
             <a:fld id="{50AF0217-616D-4DCB-8AC5-1DCCDA8B618F}" type="datetimeFigureOut">
               <a:rPr lang="en-US" smtClean="0"/>
-              <a:t>3/10/2021</a:t>
+              <a:t>4/23/2021</a:t>
             </a:fld>
             <a:endParaRPr lang="en-US"/>
           </a:p>
@@ -955,7 +955,7 @@
           <a:p>
             <a:fld id="{50AF0217-616D-4DCB-8AC5-1DCCDA8B618F}" type="datetimeFigureOut">
               <a:rPr lang="en-US" smtClean="0"/>
-              <a:t>3/10/2021</a:t>
+              <a:t>4/23/2021</a:t>
             </a:fld>
             <a:endParaRPr lang="en-US"/>
           </a:p>
@@ -1125,7 +1125,7 @@
           <a:p>
             <a:fld id="{50AF0217-616D-4DCB-8AC5-1DCCDA8B618F}" type="datetimeFigureOut">
               <a:rPr lang="en-US" smtClean="0"/>
-              <a:t>3/10/2021</a:t>
+              <a:t>4/23/2021</a:t>
             </a:fld>
             <a:endParaRPr lang="en-US"/>
           </a:p>
@@ -1371,7 +1371,7 @@
           <a:p>
             <a:fld id="{50AF0217-616D-4DCB-8AC5-1DCCDA8B618F}" type="datetimeFigureOut">
               <a:rPr lang="en-US" smtClean="0"/>
-              <a:t>3/10/2021</a:t>
+              <a:t>4/23/2021</a:t>
             </a:fld>
             <a:endParaRPr lang="en-US"/>
           </a:p>
@@ -1603,7 +1603,7 @@
           <a:p>
             <a:fld id="{50AF0217-616D-4DCB-8AC5-1DCCDA8B618F}" type="datetimeFigureOut">
               <a:rPr lang="en-US" smtClean="0"/>
-              <a:t>3/10/2021</a:t>
+              <a:t>4/23/2021</a:t>
             </a:fld>
             <a:endParaRPr lang="en-US"/>
           </a:p>
@@ -1970,7 +1970,7 @@
           <a:p>
             <a:fld id="{50AF0217-616D-4DCB-8AC5-1DCCDA8B618F}" type="datetimeFigureOut">
               <a:rPr lang="en-US" smtClean="0"/>
-              <a:t>3/10/2021</a:t>
+              <a:t>4/23/2021</a:t>
             </a:fld>
             <a:endParaRPr lang="en-US"/>
           </a:p>
@@ -2088,7 +2088,7 @@
           <a:p>
             <a:fld id="{50AF0217-616D-4DCB-8AC5-1DCCDA8B618F}" type="datetimeFigureOut">
               <a:rPr lang="en-US" smtClean="0"/>
-              <a:t>3/10/2021</a:t>
+              <a:t>4/23/2021</a:t>
             </a:fld>
             <a:endParaRPr lang="en-US"/>
           </a:p>
@@ -2183,7 +2183,7 @@
           <a:p>
             <a:fld id="{50AF0217-616D-4DCB-8AC5-1DCCDA8B618F}" type="datetimeFigureOut">
               <a:rPr lang="en-US" smtClean="0"/>
-              <a:t>3/10/2021</a:t>
+              <a:t>4/23/2021</a:t>
             </a:fld>
             <a:endParaRPr lang="en-US"/>
           </a:p>
@@ -2460,7 +2460,7 @@
           <a:p>
             <a:fld id="{50AF0217-616D-4DCB-8AC5-1DCCDA8B618F}" type="datetimeFigureOut">
               <a:rPr lang="en-US" smtClean="0"/>
-              <a:t>3/10/2021</a:t>
+              <a:t>4/23/2021</a:t>
             </a:fld>
             <a:endParaRPr lang="en-US"/>
           </a:p>
@@ -2713,7 +2713,7 @@
           <a:p>
             <a:fld id="{50AF0217-616D-4DCB-8AC5-1DCCDA8B618F}" type="datetimeFigureOut">
               <a:rPr lang="en-US" smtClean="0"/>
-              <a:t>3/10/2021</a:t>
+              <a:t>4/23/2021</a:t>
             </a:fld>
             <a:endParaRPr lang="en-US"/>
           </a:p>
@@ -2926,7 +2926,7 @@
           <a:p>
             <a:fld id="{50AF0217-616D-4DCB-8AC5-1DCCDA8B618F}" type="datetimeFigureOut">
               <a:rPr lang="en-US" smtClean="0"/>
-              <a:t>3/10/2021</a:t>
+              <a:t>4/23/2021</a:t>
             </a:fld>
             <a:endParaRPr lang="en-US"/>
           </a:p>
@@ -3374,7 +3374,7 @@
           </a:ln>
           <a:extLst>
             <a:ext uri="{C572A759-6A51-4108-AA02-DFA0A04FC94B}">
-              <ma14:wrappingTextBoxFlag xmlns:ma14="http://schemas.microsoft.com/office/mac/drawingml/2011/main" xmlns:a14="http://schemas.microsoft.com/office/drawing/2010/main" xmlns:m="http://schemas.openxmlformats.org/officeDocument/2006/math" xmlns="" val="1"/>
+              <ma14:wrappingTextBoxFlag xmlns="" xmlns:m="http://schemas.openxmlformats.org/officeDocument/2006/math" xmlns:a14="http://schemas.microsoft.com/office/drawing/2010/main" xmlns:ma14="http://schemas.microsoft.com/office/mac/drawingml/2011/main" val="1"/>
             </a:ext>
           </a:extLst>
         </p:spPr>
@@ -4002,7 +4002,7 @@
           </a:ln>
           <a:extLst>
             <a:ext uri="{C572A759-6A51-4108-AA02-DFA0A04FC94B}">
-              <ma14:wrappingTextBoxFlag xmlns:ma14="http://schemas.microsoft.com/office/mac/drawingml/2011/main" xmlns:a14="http://schemas.microsoft.com/office/drawing/2010/main" xmlns:m="http://schemas.openxmlformats.org/officeDocument/2006/math" xmlns="" val="1"/>
+              <ma14:wrappingTextBoxFlag xmlns="" xmlns:m="http://schemas.openxmlformats.org/officeDocument/2006/math" xmlns:a14="http://schemas.microsoft.com/office/drawing/2010/main" xmlns:ma14="http://schemas.microsoft.com/office/mac/drawingml/2011/main" val="1"/>
             </a:ext>
           </a:extLst>
         </p:spPr>
@@ -4036,16 +4036,12 @@
               <a:t> </a:t>
             </a:r>
             <a:r>
-              <a:rPr lang="en-DE" sz="6000" dirty="0" smtClean="0"/>
-              <a:t>24</a:t>
-            </a:r>
-            <a:r>
               <a:rPr lang="en-US" sz="6000" dirty="0" smtClean="0"/>
+              <a:t>8 May</a:t>
+            </a:r>
+            <a:r>
+              <a:rPr sz="6000" dirty="0" smtClean="0"/>
               <a:t> </a:t>
-            </a:r>
-            <a:r>
-              <a:rPr sz="6000" dirty="0" smtClean="0"/>
-              <a:t>April </a:t>
             </a:r>
             <a:r>
               <a:rPr sz="6000" dirty="0" smtClean="0"/>
@@ -4079,10 +4075,14 @@
             </a:pPr>
             <a:r>
               <a:rPr sz="6000" b="1" dirty="0"/>
-              <a:t>Notification Extended Abstract:</a:t>
-            </a:r>
-            <a:r>
-              <a:rPr sz="6000" dirty="0">
+              <a:t>Notification Extended Abstract</a:t>
+            </a:r>
+            <a:r>
+              <a:rPr sz="6000" b="1"/>
+              <a:t>:</a:t>
+            </a:r>
+            <a:r>
+              <a:rPr sz="6000">
                 <a:solidFill>
                   <a:srgbClr val="000000"/>
                 </a:solidFill>
@@ -4090,20 +4090,32 @@
               <a:t> </a:t>
             </a:r>
             <a:r>
+              <a:rPr lang="en-US" sz="6000" smtClean="0">
+                <a:solidFill>
+                  <a:srgbClr val="000000"/>
+                </a:solidFill>
+              </a:rPr>
+              <a:t>29</a:t>
+            </a:r>
+            <a:r>
+              <a:rPr lang="en-DE" sz="6000" smtClean="0">
+                <a:solidFill>
+                  <a:srgbClr val="2F3138"/>
+                </a:solidFill>
+              </a:rPr>
+              <a:t> </a:t>
+            </a:r>
+            <a:r>
               <a:rPr lang="en-DE" sz="6000" dirty="0" smtClean="0">
                 <a:solidFill>
                   <a:srgbClr val="2F3138"/>
                 </a:solidFill>
               </a:rPr>
-              <a:t>15 May</a:t>
+              <a:t>May</a:t>
             </a:r>
             <a:r>
               <a:rPr sz="6000" dirty="0" smtClean="0"/>
-              <a:t> </a:t>
-            </a:r>
-            <a:r>
-              <a:rPr sz="6000" dirty="0" smtClean="0"/>
-              <a:t>20</a:t>
+              <a:t> 20</a:t>
             </a:r>
             <a:r>
               <a:rPr lang="en-US" sz="6000" dirty="0" smtClean="0"/>
@@ -4426,11 +4438,11 @@
   <p:clrMapOvr>
     <a:masterClrMapping/>
   </p:clrMapOvr>
-  <mc:AlternateContent xmlns:mc="http://schemas.openxmlformats.org/markup-compatibility/2006">
-    <mc:Choice xmlns:p14="http://schemas.microsoft.com/office/powerpoint/2010/main" Requires="p14">
+  <mc:AlternateContent xmlns:mc="http://schemas.openxmlformats.org/markup-compatibility/2006" xmlns:p14="http://schemas.microsoft.com/office/powerpoint/2010/main">
+    <mc:Choice Requires="p14">
       <p:transition spd="slow" p14:dur="2000"/>
     </mc:Choice>
-    <mc:Fallback>
+    <mc:Fallback xmlns="">
       <p:transition spd="slow"/>
     </mc:Fallback>
   </mc:AlternateContent>
